--- a/Exercise_2/BoxModels.pptx
+++ b/Exercise_2/BoxModels.pptx
@@ -261,7 +261,7 @@
           <a:p>
             <a:fld id="{F1BA3F10-1EBF-4925-8D91-F0A5E0CF778E}" type="datetimeFigureOut">
               <a:rPr lang="de-DE" smtClean="0"/>
-              <a:t>18.01.2025</a:t>
+              <a:t>19.01.2025</a:t>
             </a:fld>
             <a:endParaRPr lang="de-DE"/>
           </a:p>
@@ -459,7 +459,7 @@
           <a:p>
             <a:fld id="{F1BA3F10-1EBF-4925-8D91-F0A5E0CF778E}" type="datetimeFigureOut">
               <a:rPr lang="de-DE" smtClean="0"/>
-              <a:t>18.01.2025</a:t>
+              <a:t>19.01.2025</a:t>
             </a:fld>
             <a:endParaRPr lang="de-DE"/>
           </a:p>
@@ -667,7 +667,7 @@
           <a:p>
             <a:fld id="{F1BA3F10-1EBF-4925-8D91-F0A5E0CF778E}" type="datetimeFigureOut">
               <a:rPr lang="de-DE" smtClean="0"/>
-              <a:t>18.01.2025</a:t>
+              <a:t>19.01.2025</a:t>
             </a:fld>
             <a:endParaRPr lang="de-DE"/>
           </a:p>
@@ -865,7 +865,7 @@
           <a:p>
             <a:fld id="{F1BA3F10-1EBF-4925-8D91-F0A5E0CF778E}" type="datetimeFigureOut">
               <a:rPr lang="de-DE" smtClean="0"/>
-              <a:t>18.01.2025</a:t>
+              <a:t>19.01.2025</a:t>
             </a:fld>
             <a:endParaRPr lang="de-DE"/>
           </a:p>
@@ -1140,7 +1140,7 @@
           <a:p>
             <a:fld id="{F1BA3F10-1EBF-4925-8D91-F0A5E0CF778E}" type="datetimeFigureOut">
               <a:rPr lang="de-DE" smtClean="0"/>
-              <a:t>18.01.2025</a:t>
+              <a:t>19.01.2025</a:t>
             </a:fld>
             <a:endParaRPr lang="de-DE"/>
           </a:p>
@@ -1405,7 +1405,7 @@
           <a:p>
             <a:fld id="{F1BA3F10-1EBF-4925-8D91-F0A5E0CF778E}" type="datetimeFigureOut">
               <a:rPr lang="de-DE" smtClean="0"/>
-              <a:t>18.01.2025</a:t>
+              <a:t>19.01.2025</a:t>
             </a:fld>
             <a:endParaRPr lang="de-DE"/>
           </a:p>
@@ -1817,7 +1817,7 @@
           <a:p>
             <a:fld id="{F1BA3F10-1EBF-4925-8D91-F0A5E0CF778E}" type="datetimeFigureOut">
               <a:rPr lang="de-DE" smtClean="0"/>
-              <a:t>18.01.2025</a:t>
+              <a:t>19.01.2025</a:t>
             </a:fld>
             <a:endParaRPr lang="de-DE"/>
           </a:p>
@@ -1958,7 +1958,7 @@
           <a:p>
             <a:fld id="{F1BA3F10-1EBF-4925-8D91-F0A5E0CF778E}" type="datetimeFigureOut">
               <a:rPr lang="de-DE" smtClean="0"/>
-              <a:t>18.01.2025</a:t>
+              <a:t>19.01.2025</a:t>
             </a:fld>
             <a:endParaRPr lang="de-DE"/>
           </a:p>
@@ -2071,7 +2071,7 @@
           <a:p>
             <a:fld id="{F1BA3F10-1EBF-4925-8D91-F0A5E0CF778E}" type="datetimeFigureOut">
               <a:rPr lang="de-DE" smtClean="0"/>
-              <a:t>18.01.2025</a:t>
+              <a:t>19.01.2025</a:t>
             </a:fld>
             <a:endParaRPr lang="de-DE"/>
           </a:p>
@@ -2382,7 +2382,7 @@
           <a:p>
             <a:fld id="{F1BA3F10-1EBF-4925-8D91-F0A5E0CF778E}" type="datetimeFigureOut">
               <a:rPr lang="de-DE" smtClean="0"/>
-              <a:t>18.01.2025</a:t>
+              <a:t>19.01.2025</a:t>
             </a:fld>
             <a:endParaRPr lang="de-DE"/>
           </a:p>
@@ -2670,7 +2670,7 @@
           <a:p>
             <a:fld id="{F1BA3F10-1EBF-4925-8D91-F0A5E0CF778E}" type="datetimeFigureOut">
               <a:rPr lang="de-DE" smtClean="0"/>
-              <a:t>18.01.2025</a:t>
+              <a:t>19.01.2025</a:t>
             </a:fld>
             <a:endParaRPr lang="de-DE"/>
           </a:p>
@@ -2911,7 +2911,7 @@
           <a:p>
             <a:fld id="{F1BA3F10-1EBF-4925-8D91-F0A5E0CF778E}" type="datetimeFigureOut">
               <a:rPr lang="de-DE" smtClean="0"/>
-              <a:t>18.01.2025</a:t>
+              <a:t>19.01.2025</a:t>
             </a:fld>
             <a:endParaRPr lang="de-DE"/>
           </a:p>
@@ -4237,8 +4237,8 @@
           </a:p>
         </p:txBody>
       </p:sp>
-      <mc:AlternateContent xmlns:mc="http://schemas.openxmlformats.org/markup-compatibility/2006">
-        <mc:Choice xmlns:a14="http://schemas.microsoft.com/office/drawing/2010/main" Requires="a14">
+      <mc:AlternateContent xmlns:mc="http://schemas.openxmlformats.org/markup-compatibility/2006" xmlns:a14="http://schemas.microsoft.com/office/drawing/2010/main">
+        <mc:Choice Requires="a14">
           <p:sp>
             <p:nvSpPr>
               <p:cNvPr id="9" name="Rechteck 8">
@@ -4520,7 +4520,7 @@
             </p:txBody>
           </p:sp>
         </mc:Choice>
-        <mc:Fallback>
+        <mc:Fallback xmlns="">
           <p:sp>
             <p:nvSpPr>
               <p:cNvPr id="9" name="Rechteck 8">
@@ -4565,8 +4565,8 @@
           </p:sp>
         </mc:Fallback>
       </mc:AlternateContent>
-      <mc:AlternateContent xmlns:mc="http://schemas.openxmlformats.org/markup-compatibility/2006">
-        <mc:Choice xmlns:a14="http://schemas.microsoft.com/office/drawing/2010/main" Requires="a14">
+      <mc:AlternateContent xmlns:mc="http://schemas.openxmlformats.org/markup-compatibility/2006" xmlns:a14="http://schemas.microsoft.com/office/drawing/2010/main">
+        <mc:Choice Requires="a14">
           <p:sp>
             <p:nvSpPr>
               <p:cNvPr id="12" name="Rechteck 11">
@@ -4969,7 +4969,7 @@
             </p:txBody>
           </p:sp>
         </mc:Choice>
-        <mc:Fallback>
+        <mc:Fallback xmlns="">
           <p:sp>
             <p:nvSpPr>
               <p:cNvPr id="12" name="Rechteck 11">
@@ -5014,8 +5014,8 @@
           </p:sp>
         </mc:Fallback>
       </mc:AlternateContent>
-      <mc:AlternateContent xmlns:mc="http://schemas.openxmlformats.org/markup-compatibility/2006">
-        <mc:Choice xmlns:a14="http://schemas.microsoft.com/office/drawing/2010/main" Requires="a14">
+      <mc:AlternateContent xmlns:mc="http://schemas.openxmlformats.org/markup-compatibility/2006" xmlns:a14="http://schemas.microsoft.com/office/drawing/2010/main">
+        <mc:Choice Requires="a14">
           <p:sp>
             <p:nvSpPr>
               <p:cNvPr id="15" name="Rechteck 14">
@@ -5264,7 +5264,7 @@
             </p:txBody>
           </p:sp>
         </mc:Choice>
-        <mc:Fallback>
+        <mc:Fallback xmlns="">
           <p:sp>
             <p:nvSpPr>
               <p:cNvPr id="15" name="Rechteck 14">
@@ -5309,8 +5309,8 @@
           </p:sp>
         </mc:Fallback>
       </mc:AlternateContent>
-      <mc:AlternateContent xmlns:mc="http://schemas.openxmlformats.org/markup-compatibility/2006">
-        <mc:Choice xmlns:a14="http://schemas.microsoft.com/office/drawing/2010/main" Requires="a14">
+      <mc:AlternateContent xmlns:mc="http://schemas.openxmlformats.org/markup-compatibility/2006" xmlns:a14="http://schemas.microsoft.com/office/drawing/2010/main">
+        <mc:Choice Requires="a14">
           <p:sp>
             <p:nvSpPr>
               <p:cNvPr id="3" name="Rechteck 2">
@@ -5461,7 +5461,7 @@
             </p:txBody>
           </p:sp>
         </mc:Choice>
-        <mc:Fallback>
+        <mc:Fallback xmlns="">
           <p:sp>
             <p:nvSpPr>
               <p:cNvPr id="3" name="Rechteck 2">
@@ -5506,8 +5506,8 @@
           </p:sp>
         </mc:Fallback>
       </mc:AlternateContent>
-      <mc:AlternateContent xmlns:mc="http://schemas.openxmlformats.org/markup-compatibility/2006">
-        <mc:Choice xmlns:a14="http://schemas.microsoft.com/office/drawing/2010/main" Requires="a14">
+      <mc:AlternateContent xmlns:mc="http://schemas.openxmlformats.org/markup-compatibility/2006" xmlns:a14="http://schemas.microsoft.com/office/drawing/2010/main">
+        <mc:Choice Requires="a14">
           <p:sp>
             <p:nvSpPr>
               <p:cNvPr id="10" name="Rechteck 9">
@@ -5658,13 +5658,15 @@
                       <m:t>I</m:t>
                     </m:r>
                     <m:r>
-                      <a:rPr lang="de-DE" sz="1400" b="0"/>
+                      <a:rPr lang="de-DE" sz="1400" b="0">
+                        <a:latin typeface="Cambria Math" panose="02040503050406030204" pitchFamily="18" charset="0"/>
+                      </a:rPr>
                       <m:t>=</m:t>
                     </m:r>
                     <m:f>
                       <m:fPr>
                         <m:ctrlPr>
-                          <a:rPr lang="de-DE" sz="1400" i="0" smtClean="0">
+                          <a:rPr lang="de-DE" sz="1400" i="1" smtClean="0">
                             <a:latin typeface="Cambria Math" panose="02040503050406030204" pitchFamily="18" charset="0"/>
                           </a:rPr>
                         </m:ctrlPr>
@@ -5772,7 +5774,7 @@
                     <m:f>
                       <m:fPr>
                         <m:ctrlPr>
-                          <a:rPr lang="de-DE" sz="1400" i="0" smtClean="0">
+                          <a:rPr lang="de-DE" sz="1400" i="1" smtClean="0">
                             <a:latin typeface="Cambria Math" panose="02040503050406030204" pitchFamily="18" charset="0"/>
                           </a:rPr>
                         </m:ctrlPr>
@@ -6083,7 +6085,7 @@
             </p:txBody>
           </p:sp>
         </mc:Choice>
-        <mc:Fallback>
+        <mc:Fallback xmlns="">
           <p:sp>
             <p:nvSpPr>
               <p:cNvPr id="10" name="Rechteck 9">
@@ -6128,8 +6130,8 @@
           </p:sp>
         </mc:Fallback>
       </mc:AlternateContent>
-      <mc:AlternateContent xmlns:mc="http://schemas.openxmlformats.org/markup-compatibility/2006">
-        <mc:Choice xmlns:a14="http://schemas.microsoft.com/office/drawing/2010/main" Requires="a14">
+      <mc:AlternateContent xmlns:mc="http://schemas.openxmlformats.org/markup-compatibility/2006" xmlns:a14="http://schemas.microsoft.com/office/drawing/2010/main">
+        <mc:Choice Requires="a14">
           <p:sp>
             <p:nvSpPr>
               <p:cNvPr id="14" name="Rechteck 13">
@@ -6218,7 +6220,7 @@
             </p:txBody>
           </p:sp>
         </mc:Choice>
-        <mc:Fallback>
+        <mc:Fallback xmlns="">
           <p:sp>
             <p:nvSpPr>
               <p:cNvPr id="14" name="Rechteck 13">
@@ -6263,8 +6265,8 @@
           </p:sp>
         </mc:Fallback>
       </mc:AlternateContent>
-      <mc:AlternateContent xmlns:mc="http://schemas.openxmlformats.org/markup-compatibility/2006">
-        <mc:Choice xmlns:a14="http://schemas.microsoft.com/office/drawing/2010/main" Requires="a14">
+      <mc:AlternateContent xmlns:mc="http://schemas.openxmlformats.org/markup-compatibility/2006" xmlns:a14="http://schemas.microsoft.com/office/drawing/2010/main">
+        <mc:Choice Requires="a14">
           <p:sp>
             <p:nvSpPr>
               <p:cNvPr id="16" name="Rechteck 15">
@@ -6578,7 +6580,7 @@
             </p:txBody>
           </p:sp>
         </mc:Choice>
-        <mc:Fallback>
+        <mc:Fallback xmlns="">
           <p:sp>
             <p:nvSpPr>
               <p:cNvPr id="16" name="Rechteck 15">
@@ -6623,8 +6625,8 @@
           </p:sp>
         </mc:Fallback>
       </mc:AlternateContent>
-      <mc:AlternateContent xmlns:mc="http://schemas.openxmlformats.org/markup-compatibility/2006">
-        <mc:Choice xmlns:a14="http://schemas.microsoft.com/office/drawing/2010/main" Requires="a14">
+      <mc:AlternateContent xmlns:mc="http://schemas.openxmlformats.org/markup-compatibility/2006" xmlns:a14="http://schemas.microsoft.com/office/drawing/2010/main">
+        <mc:Choice Requires="a14">
           <p:sp>
             <p:nvSpPr>
               <p:cNvPr id="17" name="Rechteck 16">
@@ -6758,7 +6760,7 @@
             </p:txBody>
           </p:sp>
         </mc:Choice>
-        <mc:Fallback>
+        <mc:Fallback xmlns="">
           <p:sp>
             <p:nvSpPr>
               <p:cNvPr id="17" name="Rechteck 16">
@@ -7087,8 +7089,8 @@
           </a:p>
         </p:txBody>
       </p:sp>
-      <mc:AlternateContent xmlns:mc="http://schemas.openxmlformats.org/markup-compatibility/2006">
-        <mc:Choice xmlns:a14="http://schemas.microsoft.com/office/drawing/2010/main" Requires="a14">
+      <mc:AlternateContent xmlns:mc="http://schemas.openxmlformats.org/markup-compatibility/2006" xmlns:a14="http://schemas.microsoft.com/office/drawing/2010/main">
+        <mc:Choice Requires="a14">
           <p:sp>
             <p:nvSpPr>
               <p:cNvPr id="9" name="Rechteck 8">
@@ -7370,7 +7372,7 @@
             </p:txBody>
           </p:sp>
         </mc:Choice>
-        <mc:Fallback>
+        <mc:Fallback xmlns="">
           <p:sp>
             <p:nvSpPr>
               <p:cNvPr id="9" name="Rechteck 8">
@@ -7710,8 +7712,8 @@
           </p:sp>
         </mc:Fallback>
       </mc:AlternateContent>
-      <mc:AlternateContent xmlns:mc="http://schemas.openxmlformats.org/markup-compatibility/2006">
-        <mc:Choice xmlns:a14="http://schemas.microsoft.com/office/drawing/2010/main" Requires="a14">
+      <mc:AlternateContent xmlns:mc="http://schemas.openxmlformats.org/markup-compatibility/2006" xmlns:a14="http://schemas.microsoft.com/office/drawing/2010/main">
+        <mc:Choice Requires="a14">
           <p:sp>
             <p:nvSpPr>
               <p:cNvPr id="3" name="Rechteck 2">
@@ -7862,7 +7864,7 @@
             </p:txBody>
           </p:sp>
         </mc:Choice>
-        <mc:Fallback>
+        <mc:Fallback xmlns="">
           <p:sp>
             <p:nvSpPr>
               <p:cNvPr id="3" name="Rechteck 2">
@@ -7921,7 +7923,7 @@
         </p:nvSpPr>
         <p:spPr>
           <a:xfrm>
-            <a:off x="3535680" y="2449444"/>
+            <a:off x="3535680" y="3121160"/>
             <a:ext cx="5120640" cy="342078"/>
           </a:xfrm>
           <a:prstGeom prst="rect">
@@ -7956,8 +7958,8 @@
           </a:p>
         </p:txBody>
       </p:sp>
-      <mc:AlternateContent xmlns:mc="http://schemas.openxmlformats.org/markup-compatibility/2006">
-        <mc:Choice xmlns:a14="http://schemas.microsoft.com/office/drawing/2010/main" Requires="a14">
+      <mc:AlternateContent xmlns:mc="http://schemas.openxmlformats.org/markup-compatibility/2006" xmlns:a14="http://schemas.microsoft.com/office/drawing/2010/main">
+        <mc:Choice Requires="a14">
           <p:sp>
             <p:nvSpPr>
               <p:cNvPr id="14" name="Rechteck 13">
@@ -8046,7 +8048,7 @@
             </p:txBody>
           </p:sp>
         </mc:Choice>
-        <mc:Fallback>
+        <mc:Fallback xmlns="">
           <p:sp>
             <p:nvSpPr>
               <p:cNvPr id="14" name="Rechteck 13">
@@ -8107,8 +8109,8 @@
             </p:nvSpPr>
             <p:spPr>
               <a:xfrm>
-                <a:off x="3535680" y="1386020"/>
-                <a:ext cx="5120640" cy="877908"/>
+                <a:off x="3535680" y="1337673"/>
+                <a:ext cx="5120640" cy="1648285"/>
               </a:xfrm>
               <a:prstGeom prst="rect">
                 <a:avLst/>
@@ -8403,6 +8405,227 @@
                 </a14:m>
                 <a:endParaRPr lang="en-GB" sz="1400" i="1" dirty="0"/>
               </a:p>
+              <a:p>
+                <a:pPr algn="ctr"/>
+                <a14:m>
+                  <m:oMathPara xmlns:m="http://schemas.openxmlformats.org/officeDocument/2006/math">
+                    <m:oMathParaPr>
+                      <m:jc m:val="centerGroup"/>
+                    </m:oMathParaPr>
+                    <m:oMath xmlns:m="http://schemas.openxmlformats.org/officeDocument/2006/math">
+                      <m:r>
+                        <a:rPr lang="de-DE" sz="1400" b="0" i="1" smtClean="0">
+                          <a:latin typeface="Cambria Math" panose="02040503050406030204" pitchFamily="18" charset="0"/>
+                        </a:rPr>
+                        <m:t>𝑟𝑒𝑠</m:t>
+                      </m:r>
+                      <m:r>
+                        <a:rPr lang="de-DE" sz="1400" b="0" i="1" smtClean="0">
+                          <a:latin typeface="Cambria Math" panose="02040503050406030204" pitchFamily="18" charset="0"/>
+                        </a:rPr>
+                        <m:t>= </m:t>
+                      </m:r>
+                      <m:f>
+                        <m:fPr>
+                          <m:ctrlPr>
+                            <a:rPr lang="de-DE" sz="1400" b="0" i="1" smtClean="0">
+                              <a:latin typeface="Cambria Math" panose="02040503050406030204" pitchFamily="18" charset="0"/>
+                            </a:rPr>
+                          </m:ctrlPr>
+                        </m:fPr>
+                        <m:num>
+                          <m:r>
+                            <a:rPr lang="de-DE" sz="1400" b="0" i="1" smtClean="0">
+                              <a:latin typeface="Cambria Math" panose="02040503050406030204" pitchFamily="18" charset="0"/>
+                            </a:rPr>
+                            <m:t>1−(−1)</m:t>
+                          </m:r>
+                          <m:r>
+                            <a:rPr lang="de-DE" sz="1400" b="0" i="1" smtClean="0">
+                              <a:latin typeface="Cambria Math" panose="02040503050406030204" pitchFamily="18" charset="0"/>
+                            </a:rPr>
+                            <m:t> </m:t>
+                          </m:r>
+                        </m:num>
+                        <m:den>
+                          <m:sSup>
+                            <m:sSupPr>
+                              <m:ctrlPr>
+                                <a:rPr lang="de-DE" sz="1400" b="0" i="1" smtClean="0">
+                                  <a:latin typeface="Cambria Math" panose="02040503050406030204" pitchFamily="18" charset="0"/>
+                                </a:rPr>
+                              </m:ctrlPr>
+                            </m:sSupPr>
+                            <m:e>
+                              <m:r>
+                                <a:rPr lang="de-DE" sz="1400" b="0" i="1" smtClean="0">
+                                  <a:latin typeface="Cambria Math" panose="02040503050406030204" pitchFamily="18" charset="0"/>
+                                </a:rPr>
+                                <m:t>2</m:t>
+                              </m:r>
+                            </m:e>
+                            <m:sup>
+                              <m:r>
+                                <a:rPr lang="de-DE" sz="1400" b="0" i="1" smtClean="0">
+                                  <a:latin typeface="Cambria Math" panose="02040503050406030204" pitchFamily="18" charset="0"/>
+                                </a:rPr>
+                                <m:t>𝑁</m:t>
+                              </m:r>
+                            </m:sup>
+                          </m:sSup>
+                          <m:r>
+                            <a:rPr lang="de-DE" sz="1400" b="0" i="1" smtClean="0">
+                              <a:latin typeface="Cambria Math" panose="02040503050406030204" pitchFamily="18" charset="0"/>
+                            </a:rPr>
+                            <m:t>−1</m:t>
+                          </m:r>
+                        </m:den>
+                      </m:f>
+                    </m:oMath>
+                  </m:oMathPara>
+                </a14:m>
+                <a:endParaRPr lang="en-GB" sz="1400" dirty="0"/>
+              </a:p>
+              <a:p>
+                <a:pPr algn="ctr"/>
+                <a14:m>
+                  <m:oMathPara xmlns:m="http://schemas.openxmlformats.org/officeDocument/2006/math">
+                    <m:oMathParaPr>
+                      <m:jc m:val="centerGroup"/>
+                    </m:oMathParaPr>
+                    <m:oMath xmlns:m="http://schemas.openxmlformats.org/officeDocument/2006/math">
+                      <m:sSub>
+                        <m:sSubPr>
+                          <m:ctrlPr>
+                            <a:rPr lang="en-GB" sz="1400" i="1" smtClean="0">
+                              <a:latin typeface="Cambria Math" panose="02040503050406030204" pitchFamily="18" charset="0"/>
+                            </a:rPr>
+                          </m:ctrlPr>
+                        </m:sSubPr>
+                        <m:e>
+                          <m:r>
+                            <a:rPr lang="de-DE" sz="1400" b="0" i="1" smtClean="0">
+                              <a:latin typeface="Cambria Math" panose="02040503050406030204" pitchFamily="18" charset="0"/>
+                            </a:rPr>
+                            <m:t>𝑢</m:t>
+                          </m:r>
+                          <m:r>
+                            <a:rPr lang="de-DE" sz="1400" b="0" i="1" smtClean="0">
+                              <a:latin typeface="Cambria Math" panose="02040503050406030204" pitchFamily="18" charset="0"/>
+                            </a:rPr>
+                            <m:t>(</m:t>
+                          </m:r>
+                          <m:r>
+                            <a:rPr lang="de-DE" sz="1400" b="0" i="1" smtClean="0">
+                              <a:latin typeface="Cambria Math" panose="02040503050406030204" pitchFamily="18" charset="0"/>
+                            </a:rPr>
+                            <m:t>𝑡</m:t>
+                          </m:r>
+                          <m:r>
+                            <a:rPr lang="de-DE" sz="1400" b="0" i="1" smtClean="0">
+                              <a:latin typeface="Cambria Math" panose="02040503050406030204" pitchFamily="18" charset="0"/>
+                            </a:rPr>
+                            <m:t>)</m:t>
+                          </m:r>
+                        </m:e>
+                        <m:sub>
+                          <m:r>
+                            <a:rPr lang="de-DE" sz="1400" b="0" i="1" smtClean="0">
+                              <a:latin typeface="Cambria Math" panose="02040503050406030204" pitchFamily="18" charset="0"/>
+                            </a:rPr>
+                            <m:t>𝑑𝑖𝑔</m:t>
+                          </m:r>
+                          <m:r>
+                            <a:rPr lang="de-DE" sz="1400" b="0" i="1" smtClean="0">
+                              <a:latin typeface="Cambria Math" panose="02040503050406030204" pitchFamily="18" charset="0"/>
+                            </a:rPr>
+                            <m:t> </m:t>
+                          </m:r>
+                        </m:sub>
+                      </m:sSub>
+                      <m:r>
+                        <a:rPr lang="de-DE" sz="1400" b="0" i="1" smtClean="0">
+                          <a:latin typeface="Cambria Math" panose="02040503050406030204" pitchFamily="18" charset="0"/>
+                        </a:rPr>
+                        <m:t>=</m:t>
+                      </m:r>
+                      <m:r>
+                        <a:rPr lang="de-DE" sz="1400" b="0" i="1" smtClean="0">
+                          <a:latin typeface="Cambria Math" panose="02040503050406030204" pitchFamily="18" charset="0"/>
+                        </a:rPr>
+                        <m:t>𝑓𝑙𝑜𝑜𝑟</m:t>
+                      </m:r>
+                      <m:d>
+                        <m:dPr>
+                          <m:ctrlPr>
+                            <a:rPr lang="de-DE" sz="1400" b="0" i="1" smtClean="0">
+                              <a:latin typeface="Cambria Math" panose="02040503050406030204" pitchFamily="18" charset="0"/>
+                            </a:rPr>
+                          </m:ctrlPr>
+                        </m:dPr>
+                        <m:e>
+                          <m:f>
+                            <m:fPr>
+                              <m:ctrlPr>
+                                <a:rPr lang="de-DE" sz="1400" b="0" i="1" smtClean="0">
+                                  <a:latin typeface="Cambria Math" panose="02040503050406030204" pitchFamily="18" charset="0"/>
+                                </a:rPr>
+                              </m:ctrlPr>
+                            </m:fPr>
+                            <m:num>
+                              <m:r>
+                                <a:rPr lang="de-DE" sz="1400" b="0" i="1" smtClean="0">
+                                  <a:latin typeface="Cambria Math" panose="02040503050406030204" pitchFamily="18" charset="0"/>
+                                </a:rPr>
+                                <m:t>𝑢</m:t>
+                              </m:r>
+                              <m:r>
+                                <a:rPr lang="de-DE" sz="1400" b="0" i="1" smtClean="0">
+                                  <a:latin typeface="Cambria Math" panose="02040503050406030204" pitchFamily="18" charset="0"/>
+                                </a:rPr>
+                                <m:t>(</m:t>
+                              </m:r>
+                              <m:r>
+                                <a:rPr lang="de-DE" sz="1400" b="0" i="1" smtClean="0">
+                                  <a:latin typeface="Cambria Math" panose="02040503050406030204" pitchFamily="18" charset="0"/>
+                                </a:rPr>
+                                <m:t>𝑡</m:t>
+                              </m:r>
+                              <m:r>
+                                <a:rPr lang="de-DE" sz="1400" b="0" i="1" smtClean="0">
+                                  <a:latin typeface="Cambria Math" panose="02040503050406030204" pitchFamily="18" charset="0"/>
+                                </a:rPr>
+                                <m:t>)</m:t>
+                              </m:r>
+                            </m:num>
+                            <m:den>
+                              <m:r>
+                                <a:rPr lang="de-DE" sz="1400" b="0" i="1" smtClean="0">
+                                  <a:latin typeface="Cambria Math" panose="02040503050406030204" pitchFamily="18" charset="0"/>
+                                </a:rPr>
+                                <m:t>𝑟𝑒𝑠</m:t>
+                              </m:r>
+                            </m:den>
+                          </m:f>
+                        </m:e>
+                      </m:d>
+                      <m:r>
+                        <a:rPr lang="de-DE" sz="1400" b="0" i="1" smtClean="0">
+                          <a:latin typeface="Cambria Math" panose="02040503050406030204" pitchFamily="18" charset="0"/>
+                        </a:rPr>
+                        <m:t> ∗</m:t>
+                      </m:r>
+                      <m:r>
+                        <a:rPr lang="de-DE" sz="1400" b="0" i="1" smtClean="0">
+                          <a:latin typeface="Cambria Math" panose="02040503050406030204" pitchFamily="18" charset="0"/>
+                        </a:rPr>
+                        <m:t>𝑟𝑒𝑠</m:t>
+                      </m:r>
+                    </m:oMath>
+                  </m:oMathPara>
+                </a14:m>
+                <a:endParaRPr lang="en-GB" sz="1400" i="1" dirty="0"/>
+              </a:p>
             </p:txBody>
           </p:sp>
         </mc:Choice>
@@ -8423,8 +8646,8 @@
             </p:nvSpPr>
             <p:spPr>
               <a:xfrm>
-                <a:off x="3535680" y="1386020"/>
-                <a:ext cx="5120640" cy="877908"/>
+                <a:off x="3535680" y="1337673"/>
+                <a:ext cx="5120640" cy="1648285"/>
               </a:xfrm>
               <a:prstGeom prst="rect">
                 <a:avLst/>
@@ -8432,7 +8655,7 @@
               <a:blipFill>
                 <a:blip r:embed="rId6"/>
                 <a:stretch>
-                  <a:fillRect t="-61905" b="-134014"/>
+                  <a:fillRect t="-36861" b="-21898"/>
                 </a:stretch>
               </a:blipFill>
             </p:spPr>
@@ -8467,8 +8690,8 @@
             </p:nvSpPr>
             <p:spPr>
               <a:xfrm>
-                <a:off x="3535680" y="3504632"/>
-                <a:ext cx="5120640" cy="2320096"/>
+                <a:off x="3535680" y="4075720"/>
+                <a:ext cx="5120640" cy="1963404"/>
               </a:xfrm>
               <a:prstGeom prst="rect">
                 <a:avLst/>
@@ -9116,10 +9339,6 @@
                 </a14:m>
                 <a:endParaRPr lang="en-GB" sz="1400" dirty="0"/>
               </a:p>
-              <a:p>
-                <a:pPr algn="ctr"/>
-                <a:endParaRPr lang="en-GB" sz="1400" dirty="0"/>
-              </a:p>
             </p:txBody>
           </p:sp>
         </mc:Choice>
@@ -9140,8 +9359,8 @@
             </p:nvSpPr>
             <p:spPr>
               <a:xfrm>
-                <a:off x="3535680" y="3504632"/>
-                <a:ext cx="5120640" cy="2320096"/>
+                <a:off x="3535680" y="4075720"/>
+                <a:ext cx="5120640" cy="1963404"/>
               </a:xfrm>
               <a:prstGeom prst="rect">
                 <a:avLst/>
@@ -9149,7 +9368,7 @@
               <a:blipFill>
                 <a:blip r:embed="rId7"/>
                 <a:stretch>
-                  <a:fillRect/>
+                  <a:fillRect t="-923"/>
                 </a:stretch>
               </a:blipFill>
             </p:spPr>
@@ -9168,8 +9387,8 @@
           </p:sp>
         </mc:Fallback>
       </mc:AlternateContent>
-      <mc:AlternateContent xmlns:mc="http://schemas.openxmlformats.org/markup-compatibility/2006">
-        <mc:Choice xmlns:a14="http://schemas.microsoft.com/office/drawing/2010/main" Requires="a14">
+      <mc:AlternateContent xmlns:mc="http://schemas.openxmlformats.org/markup-compatibility/2006" xmlns:a14="http://schemas.microsoft.com/office/drawing/2010/main">
+        <mc:Choice Requires="a14">
           <p:sp>
             <p:nvSpPr>
               <p:cNvPr id="2" name="Rechteck 1">
@@ -9256,7 +9475,7 @@
             </p:txBody>
           </p:sp>
         </mc:Choice>
-        <mc:Fallback>
+        <mc:Fallback xmlns="">
           <p:sp>
             <p:nvSpPr>
               <p:cNvPr id="2" name="Rechteck 1">
@@ -9301,8 +9520,8 @@
           </p:sp>
         </mc:Fallback>
       </mc:AlternateContent>
-      <mc:AlternateContent xmlns:mc="http://schemas.openxmlformats.org/markup-compatibility/2006">
-        <mc:Choice xmlns:a14="http://schemas.microsoft.com/office/drawing/2010/main" Requires="a14">
+      <mc:AlternateContent xmlns:mc="http://schemas.openxmlformats.org/markup-compatibility/2006" xmlns:a14="http://schemas.microsoft.com/office/drawing/2010/main">
+        <mc:Choice Requires="a14">
           <p:sp>
             <p:nvSpPr>
               <p:cNvPr id="11" name="Rechteck 10">
@@ -9408,7 +9627,7 @@
             </p:txBody>
           </p:sp>
         </mc:Choice>
-        <mc:Fallback>
+        <mc:Fallback xmlns="">
           <p:sp>
             <p:nvSpPr>
               <p:cNvPr id="11" name="Rechteck 10">
@@ -9475,8 +9694,8 @@
         </p:nvCxnSpPr>
         <p:spPr>
           <a:xfrm flipV="1">
-            <a:off x="2868168" y="4446540"/>
-            <a:ext cx="2133600" cy="2081898"/>
+            <a:off x="2868168" y="4919472"/>
+            <a:ext cx="2106168" cy="1608966"/>
           </a:xfrm>
           <a:prstGeom prst="bentConnector3">
             <a:avLst>
@@ -9519,7 +9738,7 @@
         </p:nvSpPr>
         <p:spPr>
           <a:xfrm>
-            <a:off x="3535680" y="2977038"/>
+            <a:off x="3535680" y="3598440"/>
             <a:ext cx="5120640" cy="342078"/>
           </a:xfrm>
           <a:prstGeom prst="rect">

--- a/Exercise_2/BoxModels.pptx
+++ b/Exercise_2/BoxModels.pptx
@@ -7417,8 +7417,8 @@
           </p:sp>
         </mc:Fallback>
       </mc:AlternateContent>
-      <mc:AlternateContent xmlns:mc="http://schemas.openxmlformats.org/markup-compatibility/2006">
-        <mc:Choice xmlns:a14="http://schemas.microsoft.com/office/drawing/2010/main" Requires="a14">
+      <mc:AlternateContent xmlns:mc="http://schemas.openxmlformats.org/markup-compatibility/2006" xmlns:a14="http://schemas.microsoft.com/office/drawing/2010/main">
+        <mc:Choice Requires="a14">
           <p:sp>
             <p:nvSpPr>
               <p:cNvPr id="15" name="Rechteck 14">
@@ -7667,7 +7667,7 @@
             </p:txBody>
           </p:sp>
         </mc:Choice>
-        <mc:Fallback>
+        <mc:Fallback xmlns="">
           <p:sp>
             <p:nvSpPr>
               <p:cNvPr id="15" name="Rechteck 14">
@@ -8093,8 +8093,8 @@
           </p:sp>
         </mc:Fallback>
       </mc:AlternateContent>
-      <mc:AlternateContent xmlns:mc="http://schemas.openxmlformats.org/markup-compatibility/2006">
-        <mc:Choice xmlns:a14="http://schemas.microsoft.com/office/drawing/2010/main" Requires="a14">
+      <mc:AlternateContent xmlns:mc="http://schemas.openxmlformats.org/markup-compatibility/2006" xmlns:a14="http://schemas.microsoft.com/office/drawing/2010/main">
+        <mc:Choice Requires="a14">
           <p:sp>
             <p:nvSpPr>
               <p:cNvPr id="16" name="Rechteck 15">
@@ -8438,13 +8438,7 @@
                             <a:rPr lang="de-DE" sz="1400" b="0" i="1" smtClean="0">
                               <a:latin typeface="Cambria Math" panose="02040503050406030204" pitchFamily="18" charset="0"/>
                             </a:rPr>
-                            <m:t>1−(−1)</m:t>
-                          </m:r>
-                          <m:r>
-                            <a:rPr lang="de-DE" sz="1400" b="0" i="1" smtClean="0">
-                              <a:latin typeface="Cambria Math" panose="02040503050406030204" pitchFamily="18" charset="0"/>
-                            </a:rPr>
-                            <m:t> </m:t>
+                            <m:t>1−(−1) </m:t>
                           </m:r>
                         </m:num>
                         <m:den>
@@ -8629,7 +8623,7 @@
             </p:txBody>
           </p:sp>
         </mc:Choice>
-        <mc:Fallback>
+        <mc:Fallback xmlns="">
           <p:sp>
             <p:nvSpPr>
               <p:cNvPr id="16" name="Rechteck 15">
@@ -8674,8 +8668,8 @@
           </p:sp>
         </mc:Fallback>
       </mc:AlternateContent>
-      <mc:AlternateContent xmlns:mc="http://schemas.openxmlformats.org/markup-compatibility/2006">
-        <mc:Choice xmlns:a14="http://schemas.microsoft.com/office/drawing/2010/main" Requires="a14">
+      <mc:AlternateContent xmlns:mc="http://schemas.openxmlformats.org/markup-compatibility/2006" xmlns:a14="http://schemas.microsoft.com/office/drawing/2010/main">
+        <mc:Choice Requires="a14">
           <p:sp>
             <p:nvSpPr>
               <p:cNvPr id="17" name="Rechteck 16">
@@ -9342,7 +9336,7 @@
             </p:txBody>
           </p:sp>
         </mc:Choice>
-        <mc:Fallback>
+        <mc:Fallback xmlns="">
           <p:sp>
             <p:nvSpPr>
               <p:cNvPr id="17" name="Rechteck 16">
@@ -9520,8 +9514,8 @@
           </p:sp>
         </mc:Fallback>
       </mc:AlternateContent>
-      <mc:AlternateContent xmlns:mc="http://schemas.openxmlformats.org/markup-compatibility/2006" xmlns:a14="http://schemas.microsoft.com/office/drawing/2010/main">
-        <mc:Choice Requires="a14">
+      <mc:AlternateContent xmlns:mc="http://schemas.openxmlformats.org/markup-compatibility/2006">
+        <mc:Choice xmlns:a14="http://schemas.microsoft.com/office/drawing/2010/main" Requires="a14">
           <p:sp>
             <p:nvSpPr>
               <p:cNvPr id="11" name="Rechteck 10">
@@ -9594,19 +9588,7 @@
                       <a:rPr lang="de-DE" sz="1600" b="1" i="1" smtClean="0">
                         <a:latin typeface="Cambria Math" panose="02040503050406030204" pitchFamily="18" charset="0"/>
                       </a:rPr>
-                      <m:t>𝟎</m:t>
-                    </m:r>
-                    <m:r>
-                      <a:rPr lang="de-DE" sz="1600" b="1" i="1" smtClean="0">
-                        <a:latin typeface="Cambria Math" panose="02040503050406030204" pitchFamily="18" charset="0"/>
-                      </a:rPr>
-                      <m:t>.</m:t>
-                    </m:r>
-                    <m:r>
-                      <a:rPr lang="de-DE" sz="1600" b="1" i="1" smtClean="0">
-                        <a:latin typeface="Cambria Math" panose="02040503050406030204" pitchFamily="18" charset="0"/>
-                      </a:rPr>
-                      <m:t>𝟎𝟏</m:t>
+                      <m:t>𝟏𝟎</m:t>
                     </m:r>
                     <m:r>
                       <a:rPr lang="de-DE" sz="1600" b="1" i="1" smtClean="0">
@@ -9627,7 +9609,7 @@
             </p:txBody>
           </p:sp>
         </mc:Choice>
-        <mc:Fallback xmlns="">
+        <mc:Fallback>
           <p:sp>
             <p:nvSpPr>
               <p:cNvPr id="11" name="Rechteck 10">
